--- a/presentation.pptx
+++ b/presentation.pptx
@@ -106,6 +106,11 @@
       </a:defRPr>
     </a:lvl9pPr>
   </p:defaultTextStyle>
+  <p:extLst>
+    <p:ext uri="{EFAFB233-063F-42B5-8137-9DF3F51BA10A}">
+      <p15:sldGuideLst xmlns:p15="http://schemas.microsoft.com/office/powerpoint/2012/main"/>
+    </p:ext>
+  </p:extLst>
 </p:presentation>
 </file>
 
@@ -154,7 +159,6 @@
               <a:rPr lang="pt-BR"/>
               <a:t>Clique para editar o título mestre</a:t>
             </a:r>
-            <a:endParaRPr lang="pt-BR"/>
           </a:p>
         </p:txBody>
       </p:sp>
@@ -219,7 +223,6 @@
               <a:rPr lang="pt-BR"/>
               <a:t>Clique para editar o estilo do subtítulo Mestre</a:t>
             </a:r>
-            <a:endParaRPr lang="pt-BR"/>
           </a:p>
         </p:txBody>
       </p:sp>
@@ -337,7 +340,6 @@
               <a:rPr lang="pt-BR"/>
               <a:t>Clique para editar o título mestre</a:t>
             </a:r>
-            <a:endParaRPr lang="pt-BR"/>
           </a:p>
         </p:txBody>
       </p:sp>
@@ -389,7 +391,6 @@
               <a:rPr lang="pt-BR"/>
               <a:t>Quinto nível</a:t>
             </a:r>
-            <a:endParaRPr lang="pt-BR"/>
           </a:p>
         </p:txBody>
       </p:sp>
@@ -512,7 +513,6 @@
               <a:rPr lang="pt-BR"/>
               <a:t>Clique para editar o título mestre</a:t>
             </a:r>
-            <a:endParaRPr lang="pt-BR"/>
           </a:p>
         </p:txBody>
       </p:sp>
@@ -569,7 +569,6 @@
               <a:rPr lang="pt-BR"/>
               <a:t>Quinto nível</a:t>
             </a:r>
-            <a:endParaRPr lang="pt-BR"/>
           </a:p>
         </p:txBody>
       </p:sp>
@@ -687,7 +686,6 @@
               <a:rPr lang="pt-BR"/>
               <a:t>Clique para editar o título mestre</a:t>
             </a:r>
-            <a:endParaRPr lang="pt-BR"/>
           </a:p>
         </p:txBody>
       </p:sp>
@@ -739,7 +737,6 @@
               <a:rPr lang="pt-BR"/>
               <a:t>Quinto nível</a:t>
             </a:r>
-            <a:endParaRPr lang="pt-BR"/>
           </a:p>
         </p:txBody>
       </p:sp>
@@ -866,7 +863,6 @@
               <a:rPr lang="pt-BR"/>
               <a:t>Clique para editar o título mestre</a:t>
             </a:r>
-            <a:endParaRPr lang="pt-BR"/>
           </a:p>
         </p:txBody>
       </p:sp>
@@ -1103,7 +1099,6 @@
               <a:rPr lang="pt-BR"/>
               <a:t>Clique para editar o título mestre</a:t>
             </a:r>
-            <a:endParaRPr lang="pt-BR"/>
           </a:p>
         </p:txBody>
       </p:sp>
@@ -1160,7 +1155,6 @@
               <a:rPr lang="pt-BR"/>
               <a:t>Quinto nível</a:t>
             </a:r>
-            <a:endParaRPr lang="pt-BR"/>
           </a:p>
         </p:txBody>
       </p:sp>
@@ -1217,7 +1211,6 @@
               <a:rPr lang="pt-BR"/>
               <a:t>Quinto nível</a:t>
             </a:r>
-            <a:endParaRPr lang="pt-BR"/>
           </a:p>
         </p:txBody>
       </p:sp>
@@ -1340,7 +1333,6 @@
               <a:rPr lang="pt-BR"/>
               <a:t>Clique para editar o título mestre</a:t>
             </a:r>
-            <a:endParaRPr lang="pt-BR"/>
           </a:p>
         </p:txBody>
       </p:sp>
@@ -1462,7 +1454,6 @@
               <a:rPr lang="pt-BR"/>
               <a:t>Quinto nível</a:t>
             </a:r>
-            <a:endParaRPr lang="pt-BR"/>
           </a:p>
         </p:txBody>
       </p:sp>
@@ -1584,7 +1575,6 @@
               <a:rPr lang="pt-BR"/>
               <a:t>Quinto nível</a:t>
             </a:r>
-            <a:endParaRPr lang="pt-BR"/>
           </a:p>
         </p:txBody>
       </p:sp>
@@ -1702,7 +1692,6 @@
               <a:rPr lang="pt-BR"/>
               <a:t>Clique para editar o título mestre</a:t>
             </a:r>
-            <a:endParaRPr lang="pt-BR"/>
           </a:p>
         </p:txBody>
       </p:sp>
@@ -1924,7 +1913,6 @@
               <a:rPr lang="pt-BR"/>
               <a:t>Clique para editar o título mestre</a:t>
             </a:r>
-            <a:endParaRPr lang="pt-BR"/>
           </a:p>
         </p:txBody>
       </p:sp>
@@ -2009,7 +1997,6 @@
               <a:rPr lang="pt-BR"/>
               <a:t>Quinto nível</a:t>
             </a:r>
-            <a:endParaRPr lang="pt-BR"/>
           </a:p>
         </p:txBody>
       </p:sp>
@@ -2201,7 +2188,6 @@
               <a:rPr lang="pt-BR"/>
               <a:t>Clique para editar o título mestre</a:t>
             </a:r>
-            <a:endParaRPr lang="pt-BR"/>
           </a:p>
         </p:txBody>
       </p:sp>
@@ -2460,7 +2446,6 @@
               <a:rPr lang="pt-BR"/>
               <a:t>Clique para editar o título mestre</a:t>
             </a:r>
-            <a:endParaRPr lang="pt-BR"/>
           </a:p>
         </p:txBody>
       </p:sp>
@@ -2522,7 +2507,6 @@
               <a:rPr lang="pt-BR"/>
               <a:t>Quinto nível</a:t>
             </a:r>
-            <a:endParaRPr lang="pt-BR"/>
           </a:p>
         </p:txBody>
       </p:sp>
@@ -3284,6 +3268,66 @@
                   <a:srgbClr val="FFFFFF"/>
                 </a:solidFill>
               </a:rPr>
+              <a:t> Resolve recursivamente</a:t>
+            </a:r>
+          </a:p>
+          <a:p>
+            <a:pPr marL="0" indent="0">
+              <a:buClr>
+                <a:srgbClr val="7030A0"/>
+              </a:buClr>
+              <a:buNone/>
+            </a:pPr>
+            <a:endParaRPr lang="pt-BR" dirty="0">
+              <a:solidFill>
+                <a:srgbClr val="FFFFFF"/>
+              </a:solidFill>
+            </a:endParaRPr>
+          </a:p>
+          <a:p>
+            <a:pPr>
+              <a:buClr>
+                <a:srgbClr val="7030A0"/>
+              </a:buClr>
+              <a:buFont typeface="Courier New" panose="02070309020205020404" pitchFamily="49" charset="0"/>
+              <a:buChar char="o"/>
+            </a:pPr>
+            <a:r>
+              <a:rPr lang="pt-BR" dirty="0">
+                <a:solidFill>
+                  <a:srgbClr val="FFFFFF"/>
+                </a:solidFill>
+              </a:rPr>
+              <a:t> Busca em todos os possíveis movimentos </a:t>
+            </a:r>
+          </a:p>
+          <a:p>
+            <a:pPr marL="0" indent="0">
+              <a:buClr>
+                <a:srgbClr val="7030A0"/>
+              </a:buClr>
+              <a:buNone/>
+            </a:pPr>
+            <a:endParaRPr lang="pt-BR" dirty="0">
+              <a:solidFill>
+                <a:srgbClr val="FFFFFF"/>
+              </a:solidFill>
+            </a:endParaRPr>
+          </a:p>
+          <a:p>
+            <a:pPr>
+              <a:buClr>
+                <a:srgbClr val="7030A0"/>
+              </a:buClr>
+              <a:buFont typeface="Courier New" panose="02070309020205020404" pitchFamily="49" charset="0"/>
+              <a:buChar char="o"/>
+            </a:pPr>
+            <a:r>
+              <a:rPr lang="pt-BR" dirty="0">
+                <a:solidFill>
+                  <a:srgbClr val="FFFFFF"/>
+                </a:solidFill>
+              </a:rPr>
               <a:t> O (8^(n^2))</a:t>
             </a:r>
           </a:p>
@@ -3357,7 +3401,7 @@
         </p:blipFill>
         <p:spPr>
           <a:xfrm>
-            <a:off x="7867650" y="1774032"/>
+            <a:off x="8191500" y="1774032"/>
             <a:ext cx="3162300" cy="3162300"/>
           </a:xfrm>
           <a:prstGeom prst="rect">
@@ -3424,7 +3468,7 @@
         </p:blipFill>
         <p:spPr>
           <a:xfrm>
-            <a:off x="20" y="10"/>
+            <a:off x="0" y="0"/>
             <a:ext cx="12191980" cy="6857990"/>
           </a:xfrm>
           <a:prstGeom prst="rect">
@@ -3524,7 +3568,7 @@
         </p:nvSpPr>
         <p:spPr>
           <a:xfrm>
-            <a:off x="838200" y="1825625"/>
+            <a:off x="838200" y="1800458"/>
             <a:ext cx="10515600" cy="4351338"/>
           </a:xfrm>
         </p:spPr>
@@ -3547,11 +3591,7 @@
                   <a:srgbClr val="FFFFFF"/>
                 </a:solidFill>
               </a:rPr>
-              <a:t> </a:t>
-            </a:r>
-            <a:r>
-              <a:rPr lang="pt-BR" dirty="0"/>
-              <a:t>O (n^2)</a:t>
+              <a:t> Busca posição com menor número de vizinhos</a:t>
             </a:r>
           </a:p>
           <a:p>
@@ -3568,17 +3608,67 @@
               </a:solidFill>
             </a:endParaRPr>
           </a:p>
+          <a:p>
+            <a:pPr>
+              <a:buClr>
+                <a:srgbClr val="7030A0"/>
+              </a:buClr>
+              <a:buFont typeface="Courier New" panose="02070309020205020404" pitchFamily="49" charset="0"/>
+              <a:buChar char="o"/>
+            </a:pPr>
+            <a:r>
+              <a:rPr lang="pt-BR" dirty="0"/>
+              <a:t> Não garante solução para dada posição</a:t>
+            </a:r>
+          </a:p>
+          <a:p>
+            <a:pPr>
+              <a:buClr>
+                <a:srgbClr val="7030A0"/>
+              </a:buClr>
+              <a:buFont typeface="Courier New" panose="02070309020205020404" pitchFamily="49" charset="0"/>
+              <a:buChar char="o"/>
+            </a:pPr>
+            <a:endParaRPr lang="pt-BR" dirty="0"/>
+          </a:p>
+          <a:p>
+            <a:pPr>
+              <a:buClr>
+                <a:srgbClr val="7030A0"/>
+              </a:buClr>
+              <a:buFont typeface="Courier New" panose="02070309020205020404" pitchFamily="49" charset="0"/>
+              <a:buChar char="o"/>
+            </a:pPr>
+            <a:r>
+              <a:rPr lang="pt-BR" dirty="0"/>
+              <a:t> O (n^2)</a:t>
+            </a:r>
+          </a:p>
+          <a:p>
+            <a:pPr>
+              <a:buClr>
+                <a:srgbClr val="7030A0"/>
+              </a:buClr>
+              <a:buFont typeface="Courier New" panose="02070309020205020404" pitchFamily="49" charset="0"/>
+              <a:buChar char="o"/>
+            </a:pPr>
+            <a:endParaRPr lang="pt-BR" dirty="0">
+              <a:solidFill>
+                <a:srgbClr val="FFFFFF"/>
+              </a:solidFill>
+            </a:endParaRPr>
+          </a:p>
         </p:txBody>
       </p:sp>
       <p:pic>
         <p:nvPicPr>
-          <p:cNvPr id="8" name="Imagem 7"/>
+          <p:cNvPr id="1026" name="Picture 2" descr="https://i.stack.imgur.com/Y5nk4.png"/>
           <p:cNvPicPr>
-            <a:picLocks noChangeAspect="1"/>
+            <a:picLocks noChangeAspect="1" noChangeArrowheads="1"/>
           </p:cNvPicPr>
           <p:nvPr/>
         </p:nvPicPr>
-        <p:blipFill>
+        <p:blipFill rotWithShape="1">
           <a:blip r:embed="rId3">
             <a:extLst>
               <a:ext uri="{28A0092B-C50C-407E-A947-70E740481C1C}">
@@ -3586,18 +3676,27 @@
               </a:ext>
             </a:extLst>
           </a:blip>
-          <a:stretch>
-            <a:fillRect/>
-          </a:stretch>
+          <a:srcRect l="6873" t="7990" r="9709" b="10255"/>
+          <a:stretch/>
         </p:blipFill>
-        <p:spPr>
+        <p:spPr bwMode="auto">
           <a:xfrm>
-            <a:off x="7861909" y="1774031"/>
-            <a:ext cx="3168041" cy="3168041"/>
+            <a:off x="8459999" y="1943999"/>
+            <a:ext cx="3005505" cy="3005505"/>
           </a:xfrm>
           <a:prstGeom prst="rect">
             <a:avLst/>
           </a:prstGeom>
+          <a:noFill/>
+          <a:extLst>
+            <a:ext uri="{909E8E84-426E-40DD-AFC4-6F175D3DCCD1}">
+              <a14:hiddenFill xmlns:a14="http://schemas.microsoft.com/office/drawing/2010/main">
+                <a:solidFill>
+                  <a:srgbClr val="FFFFFF"/>
+                </a:solidFill>
+              </a14:hiddenFill>
+            </a:ext>
+          </a:extLst>
         </p:spPr>
       </p:pic>
     </p:spTree>

--- a/presentation.pptx
+++ b/presentation.pptx
@@ -4,6 +4,9 @@
   <p:sldMasterIdLst>
     <p:sldMasterId id="2147483648" r:id="rId1"/>
   </p:sldMasterIdLst>
+  <p:notesMasterIdLst>
+    <p:notesMasterId r:id="rId5"/>
+  </p:notesMasterIdLst>
   <p:sldIdLst>
     <p:sldId id="256" r:id="rId2"/>
     <p:sldId id="257" r:id="rId3"/>
@@ -114,6 +117,356 @@
 </p:presentation>
 </file>
 
+<file path=ppt/notesMasters/notesMaster1.xml><?xml version="1.0" encoding="utf-8"?>
+<p:notesMaster xmlns:a="http://schemas.openxmlformats.org/drawingml/2006/main" xmlns:r="http://schemas.openxmlformats.org/officeDocument/2006/relationships" xmlns:p="http://schemas.openxmlformats.org/presentationml/2006/main">
+  <p:cSld>
+    <p:bg>
+      <p:bgRef idx="1001">
+        <a:schemeClr val="bg1"/>
+      </p:bgRef>
+    </p:bg>
+    <p:spTree>
+      <p:nvGrpSpPr>
+        <p:cNvPr id="1" name=""/>
+        <p:cNvGrpSpPr/>
+        <p:nvPr/>
+      </p:nvGrpSpPr>
+      <p:grpSpPr>
+        <a:xfrm>
+          <a:off x="0" y="0"/>
+          <a:ext cx="0" cy="0"/>
+          <a:chOff x="0" y="0"/>
+          <a:chExt cx="0" cy="0"/>
+        </a:xfrm>
+      </p:grpSpPr>
+      <p:sp>
+        <p:nvSpPr>
+          <p:cNvPr id="2" name="Espaço Reservado para Cabeçalho 1"/>
+          <p:cNvSpPr>
+            <a:spLocks noGrp="1"/>
+          </p:cNvSpPr>
+          <p:nvPr>
+            <p:ph type="hdr" sz="quarter"/>
+          </p:nvPr>
+        </p:nvSpPr>
+        <p:spPr>
+          <a:xfrm>
+            <a:off x="0" y="0"/>
+            <a:ext cx="2971800" cy="458788"/>
+          </a:xfrm>
+          <a:prstGeom prst="rect">
+            <a:avLst/>
+          </a:prstGeom>
+        </p:spPr>
+        <p:txBody>
+          <a:bodyPr vert="horz" lIns="91440" tIns="45720" rIns="91440" bIns="45720" rtlCol="0"/>
+          <a:lstStyle>
+            <a:lvl1pPr algn="l">
+              <a:defRPr sz="1200"/>
+            </a:lvl1pPr>
+          </a:lstStyle>
+          <a:p>
+            <a:endParaRPr lang="pt-BR"/>
+          </a:p>
+        </p:txBody>
+      </p:sp>
+      <p:sp>
+        <p:nvSpPr>
+          <p:cNvPr id="3" name="Espaço Reservado para Data 2"/>
+          <p:cNvSpPr>
+            <a:spLocks noGrp="1"/>
+          </p:cNvSpPr>
+          <p:nvPr>
+            <p:ph type="dt" idx="1"/>
+          </p:nvPr>
+        </p:nvSpPr>
+        <p:spPr>
+          <a:xfrm>
+            <a:off x="3884613" y="0"/>
+            <a:ext cx="2971800" cy="458788"/>
+          </a:xfrm>
+          <a:prstGeom prst="rect">
+            <a:avLst/>
+          </a:prstGeom>
+        </p:spPr>
+        <p:txBody>
+          <a:bodyPr vert="horz" lIns="91440" tIns="45720" rIns="91440" bIns="45720" rtlCol="0"/>
+          <a:lstStyle>
+            <a:lvl1pPr algn="r">
+              <a:defRPr sz="1200"/>
+            </a:lvl1pPr>
+          </a:lstStyle>
+          <a:p>
+            <a:fld id="{A8010DE3-208F-4923-A8FF-3DFA93A10B93}" type="datetimeFigureOut">
+              <a:rPr lang="pt-BR" smtClean="0"/>
+              <a:t>24/03/2017</a:t>
+            </a:fld>
+            <a:endParaRPr lang="pt-BR"/>
+          </a:p>
+        </p:txBody>
+      </p:sp>
+      <p:sp>
+        <p:nvSpPr>
+          <p:cNvPr id="4" name="Espaço Reservado para Imagem de Slide 3"/>
+          <p:cNvSpPr>
+            <a:spLocks noGrp="1" noRot="1" noChangeAspect="1"/>
+          </p:cNvSpPr>
+          <p:nvPr>
+            <p:ph type="sldImg" idx="2"/>
+          </p:nvPr>
+        </p:nvSpPr>
+        <p:spPr>
+          <a:xfrm>
+            <a:off x="685800" y="1143000"/>
+            <a:ext cx="5486400" cy="3086100"/>
+          </a:xfrm>
+          <a:prstGeom prst="rect">
+            <a:avLst/>
+          </a:prstGeom>
+          <a:noFill/>
+          <a:ln w="12700">
+            <a:solidFill>
+              <a:prstClr val="black"/>
+            </a:solidFill>
+          </a:ln>
+        </p:spPr>
+        <p:txBody>
+          <a:bodyPr vert="horz" lIns="91440" tIns="45720" rIns="91440" bIns="45720" rtlCol="0" anchor="ctr"/>
+          <a:lstStyle/>
+          <a:p>
+            <a:endParaRPr lang="pt-BR"/>
+          </a:p>
+        </p:txBody>
+      </p:sp>
+      <p:sp>
+        <p:nvSpPr>
+          <p:cNvPr id="5" name="Espaço Reservado para Anotações 4"/>
+          <p:cNvSpPr>
+            <a:spLocks noGrp="1"/>
+          </p:cNvSpPr>
+          <p:nvPr>
+            <p:ph type="body" sz="quarter" idx="3"/>
+          </p:nvPr>
+        </p:nvSpPr>
+        <p:spPr>
+          <a:xfrm>
+            <a:off x="685800" y="4400550"/>
+            <a:ext cx="5486400" cy="3600450"/>
+          </a:xfrm>
+          <a:prstGeom prst="rect">
+            <a:avLst/>
+          </a:prstGeom>
+        </p:spPr>
+        <p:txBody>
+          <a:bodyPr vert="horz" lIns="91440" tIns="45720" rIns="91440" bIns="45720" rtlCol="0"/>
+          <a:lstStyle/>
+          <a:p>
+            <a:pPr lvl="0"/>
+            <a:r>
+              <a:rPr lang="pt-BR"/>
+              <a:t>Editar estilos de texto Mestre</a:t>
+            </a:r>
+          </a:p>
+          <a:p>
+            <a:pPr lvl="1"/>
+            <a:r>
+              <a:rPr lang="pt-BR"/>
+              <a:t>Segundo nível</a:t>
+            </a:r>
+          </a:p>
+          <a:p>
+            <a:pPr lvl="2"/>
+            <a:r>
+              <a:rPr lang="pt-BR"/>
+              <a:t>Terceiro nível</a:t>
+            </a:r>
+          </a:p>
+          <a:p>
+            <a:pPr lvl="3"/>
+            <a:r>
+              <a:rPr lang="pt-BR"/>
+              <a:t>Quarto nível</a:t>
+            </a:r>
+          </a:p>
+          <a:p>
+            <a:pPr lvl="4"/>
+            <a:r>
+              <a:rPr lang="pt-BR"/>
+              <a:t>Quinto nível</a:t>
+            </a:r>
+            <a:endParaRPr lang="pt-BR"/>
+          </a:p>
+        </p:txBody>
+      </p:sp>
+      <p:sp>
+        <p:nvSpPr>
+          <p:cNvPr id="6" name="Espaço Reservado para Rodapé 5"/>
+          <p:cNvSpPr>
+            <a:spLocks noGrp="1"/>
+          </p:cNvSpPr>
+          <p:nvPr>
+            <p:ph type="ftr" sz="quarter" idx="4"/>
+          </p:nvPr>
+        </p:nvSpPr>
+        <p:spPr>
+          <a:xfrm>
+            <a:off x="0" y="8685213"/>
+            <a:ext cx="2971800" cy="458787"/>
+          </a:xfrm>
+          <a:prstGeom prst="rect">
+            <a:avLst/>
+          </a:prstGeom>
+        </p:spPr>
+        <p:txBody>
+          <a:bodyPr vert="horz" lIns="91440" tIns="45720" rIns="91440" bIns="45720" rtlCol="0" anchor="b"/>
+          <a:lstStyle>
+            <a:lvl1pPr algn="l">
+              <a:defRPr sz="1200"/>
+            </a:lvl1pPr>
+          </a:lstStyle>
+          <a:p>
+            <a:endParaRPr lang="pt-BR"/>
+          </a:p>
+        </p:txBody>
+      </p:sp>
+      <p:sp>
+        <p:nvSpPr>
+          <p:cNvPr id="7" name="Espaço Reservado para Número de Slide 6"/>
+          <p:cNvSpPr>
+            <a:spLocks noGrp="1"/>
+          </p:cNvSpPr>
+          <p:nvPr>
+            <p:ph type="sldNum" sz="quarter" idx="5"/>
+          </p:nvPr>
+        </p:nvSpPr>
+        <p:spPr>
+          <a:xfrm>
+            <a:off x="3884613" y="8685213"/>
+            <a:ext cx="2971800" cy="458787"/>
+          </a:xfrm>
+          <a:prstGeom prst="rect">
+            <a:avLst/>
+          </a:prstGeom>
+        </p:spPr>
+        <p:txBody>
+          <a:bodyPr vert="horz" lIns="91440" tIns="45720" rIns="91440" bIns="45720" rtlCol="0" anchor="b"/>
+          <a:lstStyle>
+            <a:lvl1pPr algn="r">
+              <a:defRPr sz="1200"/>
+            </a:lvl1pPr>
+          </a:lstStyle>
+          <a:p>
+            <a:fld id="{D9F83A60-8346-4DB9-86E7-B18D49620403}" type="slidenum">
+              <a:rPr lang="pt-BR" smtClean="0"/>
+              <a:t>‹nº›</a:t>
+            </a:fld>
+            <a:endParaRPr lang="pt-BR"/>
+          </a:p>
+        </p:txBody>
+      </p:sp>
+    </p:spTree>
+    <p:extLst>
+      <p:ext uri="{BB962C8B-B14F-4D97-AF65-F5344CB8AC3E}">
+        <p14:creationId xmlns:p14="http://schemas.microsoft.com/office/powerpoint/2010/main" val="1547961961"/>
+      </p:ext>
+    </p:extLst>
+  </p:cSld>
+  <p:clrMap bg1="lt1" tx1="dk1" bg2="lt2" tx2="dk2" accent1="accent1" accent2="accent2" accent3="accent3" accent4="accent4" accent5="accent5" accent6="accent6" hlink="hlink" folHlink="folHlink"/>
+  <p:notesStyle>
+    <a:lvl1pPr marL="0" algn="l" defTabSz="914400" rtl="0" eaLnBrk="1" latinLnBrk="0" hangingPunct="1">
+      <a:defRPr sz="1200" kern="1200">
+        <a:solidFill>
+          <a:schemeClr val="tx1"/>
+        </a:solidFill>
+        <a:latin typeface="+mn-lt"/>
+        <a:ea typeface="+mn-ea"/>
+        <a:cs typeface="+mn-cs"/>
+      </a:defRPr>
+    </a:lvl1pPr>
+    <a:lvl2pPr marL="457200" algn="l" defTabSz="914400" rtl="0" eaLnBrk="1" latinLnBrk="0" hangingPunct="1">
+      <a:defRPr sz="1200" kern="1200">
+        <a:solidFill>
+          <a:schemeClr val="tx1"/>
+        </a:solidFill>
+        <a:latin typeface="+mn-lt"/>
+        <a:ea typeface="+mn-ea"/>
+        <a:cs typeface="+mn-cs"/>
+      </a:defRPr>
+    </a:lvl2pPr>
+    <a:lvl3pPr marL="914400" algn="l" defTabSz="914400" rtl="0" eaLnBrk="1" latinLnBrk="0" hangingPunct="1">
+      <a:defRPr sz="1200" kern="1200">
+        <a:solidFill>
+          <a:schemeClr val="tx1"/>
+        </a:solidFill>
+        <a:latin typeface="+mn-lt"/>
+        <a:ea typeface="+mn-ea"/>
+        <a:cs typeface="+mn-cs"/>
+      </a:defRPr>
+    </a:lvl3pPr>
+    <a:lvl4pPr marL="1371600" algn="l" defTabSz="914400" rtl="0" eaLnBrk="1" latinLnBrk="0" hangingPunct="1">
+      <a:defRPr sz="1200" kern="1200">
+        <a:solidFill>
+          <a:schemeClr val="tx1"/>
+        </a:solidFill>
+        <a:latin typeface="+mn-lt"/>
+        <a:ea typeface="+mn-ea"/>
+        <a:cs typeface="+mn-cs"/>
+      </a:defRPr>
+    </a:lvl4pPr>
+    <a:lvl5pPr marL="1828800" algn="l" defTabSz="914400" rtl="0" eaLnBrk="1" latinLnBrk="0" hangingPunct="1">
+      <a:defRPr sz="1200" kern="1200">
+        <a:solidFill>
+          <a:schemeClr val="tx1"/>
+        </a:solidFill>
+        <a:latin typeface="+mn-lt"/>
+        <a:ea typeface="+mn-ea"/>
+        <a:cs typeface="+mn-cs"/>
+      </a:defRPr>
+    </a:lvl5pPr>
+    <a:lvl6pPr marL="2286000" algn="l" defTabSz="914400" rtl="0" eaLnBrk="1" latinLnBrk="0" hangingPunct="1">
+      <a:defRPr sz="1200" kern="1200">
+        <a:solidFill>
+          <a:schemeClr val="tx1"/>
+        </a:solidFill>
+        <a:latin typeface="+mn-lt"/>
+        <a:ea typeface="+mn-ea"/>
+        <a:cs typeface="+mn-cs"/>
+      </a:defRPr>
+    </a:lvl6pPr>
+    <a:lvl7pPr marL="2743200" algn="l" defTabSz="914400" rtl="0" eaLnBrk="1" latinLnBrk="0" hangingPunct="1">
+      <a:defRPr sz="1200" kern="1200">
+        <a:solidFill>
+          <a:schemeClr val="tx1"/>
+        </a:solidFill>
+        <a:latin typeface="+mn-lt"/>
+        <a:ea typeface="+mn-ea"/>
+        <a:cs typeface="+mn-cs"/>
+      </a:defRPr>
+    </a:lvl7pPr>
+    <a:lvl8pPr marL="3200400" algn="l" defTabSz="914400" rtl="0" eaLnBrk="1" latinLnBrk="0" hangingPunct="1">
+      <a:defRPr sz="1200" kern="1200">
+        <a:solidFill>
+          <a:schemeClr val="tx1"/>
+        </a:solidFill>
+        <a:latin typeface="+mn-lt"/>
+        <a:ea typeface="+mn-ea"/>
+        <a:cs typeface="+mn-cs"/>
+      </a:defRPr>
+    </a:lvl8pPr>
+    <a:lvl9pPr marL="3657600" algn="l" defTabSz="914400" rtl="0" eaLnBrk="1" latinLnBrk="0" hangingPunct="1">
+      <a:defRPr sz="1200" kern="1200">
+        <a:solidFill>
+          <a:schemeClr val="tx1"/>
+        </a:solidFill>
+        <a:latin typeface="+mn-lt"/>
+        <a:ea typeface="+mn-ea"/>
+        <a:cs typeface="+mn-cs"/>
+      </a:defRPr>
+    </a:lvl9pPr>
+  </p:notesStyle>
+</p:notesMaster>
+</file>
+
 <file path=ppt/slideLayouts/slideLayout1.xml><?xml version="1.0" encoding="utf-8"?>
 <p:sldLayout xmlns:a="http://schemas.openxmlformats.org/drawingml/2006/main" xmlns:r="http://schemas.openxmlformats.org/officeDocument/2006/relationships" xmlns:p="http://schemas.openxmlformats.org/presentationml/2006/main" type="title" preserve="1">
   <p:cSld name="Slide de Título">
@@ -241,7 +594,7 @@
           <a:bodyPr/>
           <a:lstStyle/>
           <a:p>
-            <a:fld id="{5CAEA35E-FDB8-4BD5-851D-130C54714DF6}" type="datetimeFigureOut">
+            <a:fld id="{1EBF2EF0-61C5-4BDB-AB83-F0AA062F5736}" type="datetime1">
               <a:rPr lang="pt-BR" smtClean="0"/>
               <a:t>24/03/2017</a:t>
             </a:fld>
@@ -409,7 +762,7 @@
           <a:bodyPr/>
           <a:lstStyle/>
           <a:p>
-            <a:fld id="{5CAEA35E-FDB8-4BD5-851D-130C54714DF6}" type="datetimeFigureOut">
+            <a:fld id="{6295E200-DD0B-48D4-BFE8-906A64AB28C4}" type="datetime1">
               <a:rPr lang="pt-BR" smtClean="0"/>
               <a:t>24/03/2017</a:t>
             </a:fld>
@@ -587,7 +940,7 @@
           <a:bodyPr/>
           <a:lstStyle/>
           <a:p>
-            <a:fld id="{5CAEA35E-FDB8-4BD5-851D-130C54714DF6}" type="datetimeFigureOut">
+            <a:fld id="{C9EEE92F-091C-427A-BFC1-201EB2E9AB7F}" type="datetime1">
               <a:rPr lang="pt-BR" smtClean="0"/>
               <a:t>24/03/2017</a:t>
             </a:fld>
@@ -755,7 +1108,7 @@
           <a:bodyPr/>
           <a:lstStyle/>
           <a:p>
-            <a:fld id="{5CAEA35E-FDB8-4BD5-851D-130C54714DF6}" type="datetimeFigureOut">
+            <a:fld id="{57DA9803-9D3A-41E9-BD43-C52FED4CBE10}" type="datetime1">
               <a:rPr lang="pt-BR" smtClean="0"/>
               <a:t>24/03/2017</a:t>
             </a:fld>
@@ -1000,7 +1353,7 @@
           <a:bodyPr/>
           <a:lstStyle/>
           <a:p>
-            <a:fld id="{5CAEA35E-FDB8-4BD5-851D-130C54714DF6}" type="datetimeFigureOut">
+            <a:fld id="{8A2E6B85-CA10-4E1D-852C-DC555635B316}" type="datetime1">
               <a:rPr lang="pt-BR" smtClean="0"/>
               <a:t>24/03/2017</a:t>
             </a:fld>
@@ -1229,7 +1582,7 @@
           <a:bodyPr/>
           <a:lstStyle/>
           <a:p>
-            <a:fld id="{5CAEA35E-FDB8-4BD5-851D-130C54714DF6}" type="datetimeFigureOut">
+            <a:fld id="{C493AC51-EC6D-42DA-8641-3A5F421F322E}" type="datetime1">
               <a:rPr lang="pt-BR" smtClean="0"/>
               <a:t>24/03/2017</a:t>
             </a:fld>
@@ -1593,7 +1946,7 @@
           <a:bodyPr/>
           <a:lstStyle/>
           <a:p>
-            <a:fld id="{5CAEA35E-FDB8-4BD5-851D-130C54714DF6}" type="datetimeFigureOut">
+            <a:fld id="{19F75B61-8EE4-40E5-B03C-6F36F2CC54C0}" type="datetime1">
               <a:rPr lang="pt-BR" smtClean="0"/>
               <a:t>24/03/2017</a:t>
             </a:fld>
@@ -1710,7 +2063,7 @@
           <a:bodyPr/>
           <a:lstStyle/>
           <a:p>
-            <a:fld id="{5CAEA35E-FDB8-4BD5-851D-130C54714DF6}" type="datetimeFigureOut">
+            <a:fld id="{9ECE8282-4463-434B-91D3-8618776FEB37}" type="datetime1">
               <a:rPr lang="pt-BR" smtClean="0"/>
               <a:t>24/03/2017</a:t>
             </a:fld>
@@ -1805,7 +2158,7 @@
           <a:bodyPr/>
           <a:lstStyle/>
           <a:p>
-            <a:fld id="{5CAEA35E-FDB8-4BD5-851D-130C54714DF6}" type="datetimeFigureOut">
+            <a:fld id="{CF957A7E-42C1-4FBB-B255-AEEECFC6D9FC}" type="datetime1">
               <a:rPr lang="pt-BR" smtClean="0"/>
               <a:t>24/03/2017</a:t>
             </a:fld>
@@ -2080,7 +2433,7 @@
           <a:bodyPr/>
           <a:lstStyle/>
           <a:p>
-            <a:fld id="{5CAEA35E-FDB8-4BD5-851D-130C54714DF6}" type="datetimeFigureOut">
+            <a:fld id="{1912FE64-A771-46D5-9BEA-703CDDC39B7A}" type="datetime1">
               <a:rPr lang="pt-BR" smtClean="0"/>
               <a:t>24/03/2017</a:t>
             </a:fld>
@@ -2332,7 +2685,7 @@
           <a:bodyPr/>
           <a:lstStyle/>
           <a:p>
-            <a:fld id="{5CAEA35E-FDB8-4BD5-851D-130C54714DF6}" type="datetimeFigureOut">
+            <a:fld id="{D4B71D2C-8791-4B4F-AA92-08F45688F2E1}" type="datetime1">
               <a:rPr lang="pt-BR" smtClean="0"/>
               <a:t>24/03/2017</a:t>
             </a:fld>
@@ -2543,7 +2896,7 @@
             </a:lvl1pPr>
           </a:lstStyle>
           <a:p>
-            <a:fld id="{5CAEA35E-FDB8-4BD5-851D-130C54714DF6}" type="datetimeFigureOut">
+            <a:fld id="{AC0171A4-07F5-40EA-A4A4-0D499E5826AB}" type="datetime1">
               <a:rPr lang="pt-BR" smtClean="0"/>
               <a:t>24/03/2017</a:t>
             </a:fld>
@@ -2650,6 +3003,7 @@
     <p:sldLayoutId id="2147483658" r:id="rId10"/>
     <p:sldLayoutId id="2147483659" r:id="rId11"/>
   </p:sldLayoutIdLst>
+  <p:hf hdr="0" ftr="0" dt="0"/>
   <p:txStyles>
     <p:titleStyle>
       <a:lvl1pPr algn="l" defTabSz="914400" rtl="0" eaLnBrk="1" latinLnBrk="0" hangingPunct="1">
@@ -3128,6 +3482,29 @@
           </a:p>
         </p:txBody>
       </p:sp>
+      <p:sp>
+        <p:nvSpPr>
+          <p:cNvPr id="4" name="Espaço Reservado para Número de Slide 3"/>
+          <p:cNvSpPr>
+            <a:spLocks noGrp="1"/>
+          </p:cNvSpPr>
+          <p:nvPr>
+            <p:ph type="sldNum" sz="quarter" idx="12"/>
+          </p:nvPr>
+        </p:nvSpPr>
+        <p:spPr/>
+        <p:txBody>
+          <a:bodyPr/>
+          <a:lstStyle/>
+          <a:p>
+            <a:fld id="{12E927B6-621D-4D94-9B3A-5EB416A7513C}" type="slidenum">
+              <a:rPr lang="pt-BR" smtClean="0"/>
+              <a:t>1</a:t>
+            </a:fld>
+            <a:endParaRPr lang="pt-BR"/>
+          </a:p>
+        </p:txBody>
+      </p:sp>
     </p:spTree>
     <p:extLst>
       <p:ext uri="{BB962C8B-B14F-4D97-AF65-F5344CB8AC3E}">
@@ -3409,6 +3786,29 @@
           </a:prstGeom>
         </p:spPr>
       </p:pic>
+      <p:sp>
+        <p:nvSpPr>
+          <p:cNvPr id="4" name="Espaço Reservado para Número de Slide 3"/>
+          <p:cNvSpPr>
+            <a:spLocks noGrp="1"/>
+          </p:cNvSpPr>
+          <p:nvPr>
+            <p:ph type="sldNum" sz="quarter" idx="12"/>
+          </p:nvPr>
+        </p:nvSpPr>
+        <p:spPr/>
+        <p:txBody>
+          <a:bodyPr/>
+          <a:lstStyle/>
+          <a:p>
+            <a:fld id="{12E927B6-621D-4D94-9B3A-5EB416A7513C}" type="slidenum">
+              <a:rPr lang="pt-BR" smtClean="0"/>
+              <a:t>2</a:t>
+            </a:fld>
+            <a:endParaRPr lang="pt-BR"/>
+          </a:p>
+        </p:txBody>
+      </p:sp>
     </p:spTree>
     <p:extLst>
       <p:ext uri="{BB962C8B-B14F-4D97-AF65-F5344CB8AC3E}">
@@ -3641,7 +4041,15 @@
             </a:pPr>
             <a:r>
               <a:rPr lang="pt-BR" dirty="0"/>
-              <a:t> O (n^2)</a:t>
+              <a:t> </a:t>
+            </a:r>
+            <a:r>
+              <a:rPr lang="el-GR" dirty="0"/>
+              <a:t>ϴ</a:t>
+            </a:r>
+            <a:r>
+              <a:rPr lang="pt-BR" dirty="0"/>
+              <a:t> (n^2)</a:t>
             </a:r>
           </a:p>
           <a:p>
@@ -3699,6 +4107,29 @@
           </a:extLst>
         </p:spPr>
       </p:pic>
+      <p:sp>
+        <p:nvSpPr>
+          <p:cNvPr id="4" name="Espaço Reservado para Número de Slide 3"/>
+          <p:cNvSpPr>
+            <a:spLocks noGrp="1"/>
+          </p:cNvSpPr>
+          <p:nvPr>
+            <p:ph type="sldNum" sz="quarter" idx="12"/>
+          </p:nvPr>
+        </p:nvSpPr>
+        <p:spPr/>
+        <p:txBody>
+          <a:bodyPr/>
+          <a:lstStyle/>
+          <a:p>
+            <a:fld id="{12E927B6-621D-4D94-9B3A-5EB416A7513C}" type="slidenum">
+              <a:rPr lang="pt-BR" smtClean="0"/>
+              <a:t>3</a:t>
+            </a:fld>
+            <a:endParaRPr lang="pt-BR"/>
+          </a:p>
+        </p:txBody>
+      </p:sp>
     </p:spTree>
     <p:extLst>
       <p:ext uri="{BB962C8B-B14F-4D97-AF65-F5344CB8AC3E}">
@@ -4005,4 +4436,299 @@
     </a:ext>
   </a:extLst>
 </a:theme>
+</file>
+
+<file path=ppt/theme/theme2.xml><?xml version="1.0" encoding="utf-8"?>
+<a:theme xmlns:a="http://schemas.openxmlformats.org/drawingml/2006/main" name="Tema do Office">
+  <a:themeElements>
+    <a:clrScheme name="Office">
+      <a:dk1>
+        <a:sysClr val="windowText" lastClr="000000"/>
+      </a:dk1>
+      <a:lt1>
+        <a:sysClr val="window" lastClr="FFFFFF"/>
+      </a:lt1>
+      <a:dk2>
+        <a:srgbClr val="44546A"/>
+      </a:dk2>
+      <a:lt2>
+        <a:srgbClr val="E7E6E6"/>
+      </a:lt2>
+      <a:accent1>
+        <a:srgbClr val="5B9BD5"/>
+      </a:accent1>
+      <a:accent2>
+        <a:srgbClr val="ED7D31"/>
+      </a:accent2>
+      <a:accent3>
+        <a:srgbClr val="A5A5A5"/>
+      </a:accent3>
+      <a:accent4>
+        <a:srgbClr val="FFC000"/>
+      </a:accent4>
+      <a:accent5>
+        <a:srgbClr val="4472C4"/>
+      </a:accent5>
+      <a:accent6>
+        <a:srgbClr val="70AD47"/>
+      </a:accent6>
+      <a:hlink>
+        <a:srgbClr val="0563C1"/>
+      </a:hlink>
+      <a:folHlink>
+        <a:srgbClr val="954F72"/>
+      </a:folHlink>
+    </a:clrScheme>
+    <a:fontScheme name="Office">
+      <a:majorFont>
+        <a:latin typeface="Calibri Light" panose="020F0302020204030204"/>
+        <a:ea typeface=""/>
+        <a:cs typeface=""/>
+        <a:font script="Jpan" typeface="游ゴシック Light"/>
+        <a:font script="Hang" typeface="맑은 고딕"/>
+        <a:font script="Hans" typeface="等线 Light"/>
+        <a:font script="Hant" typeface="新細明體"/>
+        <a:font script="Arab" typeface="Times New Roman"/>
+        <a:font script="Hebr" typeface="Times New Roman"/>
+        <a:font script="Thai" typeface="Angsana New"/>
+        <a:font script="Ethi" typeface="Nyala"/>
+        <a:font script="Beng" typeface="Vrinda"/>
+        <a:font script="Gujr" typeface="Shruti"/>
+        <a:font script="Khmr" typeface="MoolBoran"/>
+        <a:font script="Knda" typeface="Tunga"/>
+        <a:font script="Guru" typeface="Raavi"/>
+        <a:font script="Cans" typeface="Euphemia"/>
+        <a:font script="Cher" typeface="Plantagenet Cherokee"/>
+        <a:font script="Yiii" typeface="Microsoft Yi Baiti"/>
+        <a:font script="Tibt" typeface="Microsoft Himalaya"/>
+        <a:font script="Thaa" typeface="MV Boli"/>
+        <a:font script="Deva" typeface="Mangal"/>
+        <a:font script="Telu" typeface="Gautami"/>
+        <a:font script="Taml" typeface="Latha"/>
+        <a:font script="Syrc" typeface="Estrangelo Edessa"/>
+        <a:font script="Orya" typeface="Kalinga"/>
+        <a:font script="Mlym" typeface="Kartika"/>
+        <a:font script="Laoo" typeface="DokChampa"/>
+        <a:font script="Sinh" typeface="Iskoola Pota"/>
+        <a:font script="Mong" typeface="Mongolian Baiti"/>
+        <a:font script="Viet" typeface="Times New Roman"/>
+        <a:font script="Uigh" typeface="Microsoft Uighur"/>
+        <a:font script="Geor" typeface="Sylfaen"/>
+        <a:font script="Armn" typeface="Arial"/>
+        <a:font script="Bugi" typeface="Leelawadee UI"/>
+        <a:font script="Bopo" typeface="Microsoft JhengHei"/>
+        <a:font script="Java" typeface="Javanese Text"/>
+        <a:font script="Lisu" typeface="Segoe UI"/>
+        <a:font script="Mymr" typeface="Myanmar Text"/>
+        <a:font script="Nkoo" typeface="Ebrima"/>
+        <a:font script="Olck" typeface="Nirmala UI"/>
+        <a:font script="Osma" typeface="Ebrima"/>
+        <a:font script="Phag" typeface="Phagspa"/>
+        <a:font script="Syrn" typeface="Estrangelo Edessa"/>
+        <a:font script="Syrj" typeface="Estrangelo Edessa"/>
+        <a:font script="Syre" typeface="Estrangelo Edessa"/>
+        <a:font script="Sora" typeface="Nirmala UI"/>
+        <a:font script="Tale" typeface="Microsoft Tai Le"/>
+        <a:font script="Talu" typeface="Microsoft New Tai Lue"/>
+        <a:font script="Tfng" typeface="Ebrima"/>
+      </a:majorFont>
+      <a:minorFont>
+        <a:latin typeface="Calibri" panose="020F0502020204030204"/>
+        <a:ea typeface=""/>
+        <a:cs typeface=""/>
+        <a:font script="Jpan" typeface="游ゴシック"/>
+        <a:font script="Hang" typeface="맑은 고딕"/>
+        <a:font script="Hans" typeface="等线"/>
+        <a:font script="Hant" typeface="新細明體"/>
+        <a:font script="Arab" typeface="Arial"/>
+        <a:font script="Hebr" typeface="Arial"/>
+        <a:font script="Thai" typeface="Cordia New"/>
+        <a:font script="Ethi" typeface="Nyala"/>
+        <a:font script="Beng" typeface="Vrinda"/>
+        <a:font script="Gujr" typeface="Shruti"/>
+        <a:font script="Khmr" typeface="DaunPenh"/>
+        <a:font script="Knda" typeface="Tunga"/>
+        <a:font script="Guru" typeface="Raavi"/>
+        <a:font script="Cans" typeface="Euphemia"/>
+        <a:font script="Cher" typeface="Plantagenet Cherokee"/>
+        <a:font script="Yiii" typeface="Microsoft Yi Baiti"/>
+        <a:font script="Tibt" typeface="Microsoft Himalaya"/>
+        <a:font script="Thaa" typeface="MV Boli"/>
+        <a:font script="Deva" typeface="Mangal"/>
+        <a:font script="Telu" typeface="Gautami"/>
+        <a:font script="Taml" typeface="Latha"/>
+        <a:font script="Syrc" typeface="Estrangelo Edessa"/>
+        <a:font script="Orya" typeface="Kalinga"/>
+        <a:font script="Mlym" typeface="Kartika"/>
+        <a:font script="Laoo" typeface="DokChampa"/>
+        <a:font script="Sinh" typeface="Iskoola Pota"/>
+        <a:font script="Mong" typeface="Mongolian Baiti"/>
+        <a:font script="Viet" typeface="Arial"/>
+        <a:font script="Uigh" typeface="Microsoft Uighur"/>
+        <a:font script="Geor" typeface="Sylfaen"/>
+        <a:font script="Armn" typeface="Arial"/>
+        <a:font script="Bugi" typeface="Leelawadee UI"/>
+        <a:font script="Bopo" typeface="Microsoft JhengHei"/>
+        <a:font script="Java" typeface="Javanese Text"/>
+        <a:font script="Lisu" typeface="Segoe UI"/>
+        <a:font script="Mymr" typeface="Myanmar Text"/>
+        <a:font script="Nkoo" typeface="Ebrima"/>
+        <a:font script="Olck" typeface="Nirmala UI"/>
+        <a:font script="Osma" typeface="Ebrima"/>
+        <a:font script="Phag" typeface="Phagspa"/>
+        <a:font script="Syrn" typeface="Estrangelo Edessa"/>
+        <a:font script="Syrj" typeface="Estrangelo Edessa"/>
+        <a:font script="Syre" typeface="Estrangelo Edessa"/>
+        <a:font script="Sora" typeface="Nirmala UI"/>
+        <a:font script="Tale" typeface="Microsoft Tai Le"/>
+        <a:font script="Talu" typeface="Microsoft New Tai Lue"/>
+        <a:font script="Tfng" typeface="Ebrima"/>
+      </a:minorFont>
+    </a:fontScheme>
+    <a:fmtScheme name="Office">
+      <a:fillStyleLst>
+        <a:solidFill>
+          <a:schemeClr val="phClr"/>
+        </a:solidFill>
+        <a:gradFill rotWithShape="1">
+          <a:gsLst>
+            <a:gs pos="0">
+              <a:schemeClr val="phClr">
+                <a:lumMod val="110000"/>
+                <a:satMod val="105000"/>
+                <a:tint val="67000"/>
+              </a:schemeClr>
+            </a:gs>
+            <a:gs pos="50000">
+              <a:schemeClr val="phClr">
+                <a:lumMod val="105000"/>
+                <a:satMod val="103000"/>
+                <a:tint val="73000"/>
+              </a:schemeClr>
+            </a:gs>
+            <a:gs pos="100000">
+              <a:schemeClr val="phClr">
+                <a:lumMod val="105000"/>
+                <a:satMod val="109000"/>
+                <a:tint val="81000"/>
+              </a:schemeClr>
+            </a:gs>
+          </a:gsLst>
+          <a:lin ang="5400000" scaled="0"/>
+        </a:gradFill>
+        <a:gradFill rotWithShape="1">
+          <a:gsLst>
+            <a:gs pos="0">
+              <a:schemeClr val="phClr">
+                <a:satMod val="103000"/>
+                <a:lumMod val="102000"/>
+                <a:tint val="94000"/>
+              </a:schemeClr>
+            </a:gs>
+            <a:gs pos="50000">
+              <a:schemeClr val="phClr">
+                <a:satMod val="110000"/>
+                <a:lumMod val="100000"/>
+                <a:shade val="100000"/>
+              </a:schemeClr>
+            </a:gs>
+            <a:gs pos="100000">
+              <a:schemeClr val="phClr">
+                <a:lumMod val="99000"/>
+                <a:satMod val="120000"/>
+                <a:shade val="78000"/>
+              </a:schemeClr>
+            </a:gs>
+          </a:gsLst>
+          <a:lin ang="5400000" scaled="0"/>
+        </a:gradFill>
+      </a:fillStyleLst>
+      <a:lnStyleLst>
+        <a:ln w="6350" cap="flat" cmpd="sng" algn="ctr">
+          <a:solidFill>
+            <a:schemeClr val="phClr"/>
+          </a:solidFill>
+          <a:prstDash val="solid"/>
+          <a:miter lim="800000"/>
+        </a:ln>
+        <a:ln w="12700" cap="flat" cmpd="sng" algn="ctr">
+          <a:solidFill>
+            <a:schemeClr val="phClr"/>
+          </a:solidFill>
+          <a:prstDash val="solid"/>
+          <a:miter lim="800000"/>
+        </a:ln>
+        <a:ln w="19050" cap="flat" cmpd="sng" algn="ctr">
+          <a:solidFill>
+            <a:schemeClr val="phClr"/>
+          </a:solidFill>
+          <a:prstDash val="solid"/>
+          <a:miter lim="800000"/>
+        </a:ln>
+      </a:lnStyleLst>
+      <a:effectStyleLst>
+        <a:effectStyle>
+          <a:effectLst/>
+        </a:effectStyle>
+        <a:effectStyle>
+          <a:effectLst/>
+        </a:effectStyle>
+        <a:effectStyle>
+          <a:effectLst>
+            <a:outerShdw blurRad="57150" dist="19050" dir="5400000" algn="ctr" rotWithShape="0">
+              <a:srgbClr val="000000">
+                <a:alpha val="63000"/>
+              </a:srgbClr>
+            </a:outerShdw>
+          </a:effectLst>
+        </a:effectStyle>
+      </a:effectStyleLst>
+      <a:bgFillStyleLst>
+        <a:solidFill>
+          <a:schemeClr val="phClr"/>
+        </a:solidFill>
+        <a:solidFill>
+          <a:schemeClr val="phClr">
+            <a:tint val="95000"/>
+            <a:satMod val="170000"/>
+          </a:schemeClr>
+        </a:solidFill>
+        <a:gradFill rotWithShape="1">
+          <a:gsLst>
+            <a:gs pos="0">
+              <a:schemeClr val="phClr">
+                <a:tint val="93000"/>
+                <a:satMod val="150000"/>
+                <a:shade val="98000"/>
+                <a:lumMod val="102000"/>
+              </a:schemeClr>
+            </a:gs>
+            <a:gs pos="50000">
+              <a:schemeClr val="phClr">
+                <a:tint val="98000"/>
+                <a:satMod val="130000"/>
+                <a:shade val="90000"/>
+                <a:lumMod val="103000"/>
+              </a:schemeClr>
+            </a:gs>
+            <a:gs pos="100000">
+              <a:schemeClr val="phClr">
+                <a:shade val="63000"/>
+                <a:satMod val="120000"/>
+              </a:schemeClr>
+            </a:gs>
+          </a:gsLst>
+          <a:lin ang="5400000" scaled="0"/>
+        </a:gradFill>
+      </a:bgFillStyleLst>
+    </a:fmtScheme>
+  </a:themeElements>
+  <a:objectDefaults/>
+  <a:extraClrSchemeLst/>
+  <a:extLst>
+    <a:ext uri="{05A4C25C-085E-4340-85A3-A5531E510DB2}">
+      <thm15:themeFamily xmlns:thm15="http://schemas.microsoft.com/office/thememl/2012/main" name="Office Theme" id="{62F939B6-93AF-4DB8-9C6B-D6C7DFDC589F}" vid="{4A3C46E8-61CC-4603-A589-7422A47A8E4A}"/>
+    </a:ext>
+  </a:extLst>
+</a:theme>
 </file>